--- a/presentacion/DataAnalysis Violencia en Mexico.pptx
+++ b/presentacion/DataAnalysis Violencia en Mexico.pptx
@@ -20344,7 +20344,7 @@
         <p:spPr>
           <a:xfrm>
             <a:off x="446325" y="1899575"/>
-            <a:ext cx="8333608" cy="1569630"/>
+            <a:ext cx="8333608" cy="3231624"/>
           </a:xfrm>
           <a:prstGeom prst="rect">
             <a:avLst/>
@@ -20423,6 +20423,110 @@
               </a:rPr>
               <a:t>Esta información esta sujeta a la cantidad de casos que hubo por mes de cada uno de los delitos con su respectivo información relacionada</a:t>
             </a:r>
+          </a:p>
+          <a:p>
+            <a:pPr marL="0" lvl="0" indent="0" algn="just" rtl="0">
+              <a:spcBef>
+                <a:spcPts val="0"/>
+              </a:spcBef>
+              <a:spcAft>
+                <a:spcPts val="0"/>
+              </a:spcAft>
+              <a:buNone/>
+            </a:pPr>
+            <a:endParaRPr lang="es-MX" sz="1800" dirty="0">
+              <a:solidFill>
+                <a:schemeClr val="lt1"/>
+              </a:solidFill>
+              <a:ea typeface="Open Sans Light"/>
+            </a:endParaRPr>
+          </a:p>
+          <a:p>
+            <a:pPr marL="0" lvl="0" indent="0" algn="just" rtl="0">
+              <a:spcBef>
+                <a:spcPts val="0"/>
+              </a:spcBef>
+              <a:spcAft>
+                <a:spcPts val="0"/>
+              </a:spcAft>
+              <a:buNone/>
+            </a:pPr>
+            <a:r>
+              <a:rPr lang="es-MX" sz="1800" b="1" dirty="0">
+                <a:solidFill>
+                  <a:schemeClr val="lt1"/>
+                </a:solidFill>
+                <a:latin typeface="Open Sans Light"/>
+                <a:ea typeface="Open Sans Light"/>
+                <a:cs typeface="Open Sans Light"/>
+                <a:sym typeface="Open Sans Light"/>
+              </a:rPr>
+              <a:t>Los datos fueron obtenidos de la pagina del gobierno de México</a:t>
+            </a:r>
+          </a:p>
+          <a:p>
+            <a:pPr marL="0" lvl="0" indent="0" algn="just" rtl="0">
+              <a:spcBef>
+                <a:spcPts val="0"/>
+              </a:spcBef>
+              <a:spcAft>
+                <a:spcPts val="0"/>
+              </a:spcAft>
+              <a:buNone/>
+            </a:pPr>
+            <a:endParaRPr lang="es-MX" sz="1800" dirty="0">
+              <a:solidFill>
+                <a:schemeClr val="lt1"/>
+              </a:solidFill>
+              <a:latin typeface="Open Sans Light"/>
+              <a:ea typeface="Open Sans Light"/>
+              <a:cs typeface="Open Sans Light"/>
+              <a:sym typeface="Open Sans Light"/>
+            </a:endParaRPr>
+          </a:p>
+          <a:p>
+            <a:pPr marL="0" lvl="0" indent="0" algn="just" rtl="0">
+              <a:spcBef>
+                <a:spcPts val="0"/>
+              </a:spcBef>
+              <a:spcAft>
+                <a:spcPts val="0"/>
+              </a:spcAft>
+              <a:buNone/>
+            </a:pPr>
+            <a:r>
+              <a:rPr lang="es-MX" sz="1800" dirty="0">
+                <a:solidFill>
+                  <a:schemeClr val="lt1"/>
+                </a:solidFill>
+                <a:latin typeface="Open Sans Light"/>
+                <a:ea typeface="Open Sans Light"/>
+                <a:cs typeface="Open Sans Light"/>
+                <a:sym typeface="Open Sans Light"/>
+                <a:hlinkClick r:id="rId3"/>
+              </a:rPr>
+              <a:t>https://www.gob.mx/sesnsp/acciones-y-programas/datos-abiertos-de-incidencia-delictiva</a:t>
+            </a:r>
+            <a:endParaRPr lang="es-MX" sz="1800" dirty="0">
+              <a:solidFill>
+                <a:schemeClr val="lt1"/>
+              </a:solidFill>
+              <a:latin typeface="Open Sans Light"/>
+              <a:ea typeface="Open Sans Light"/>
+              <a:cs typeface="Open Sans Light"/>
+              <a:sym typeface="Open Sans Light"/>
+            </a:endParaRPr>
+          </a:p>
+          <a:p>
+            <a:pPr marL="0" lvl="0" indent="0" algn="just" rtl="0">
+              <a:spcBef>
+                <a:spcPts val="0"/>
+              </a:spcBef>
+              <a:spcAft>
+                <a:spcPts val="0"/>
+              </a:spcAft>
+              <a:buNone/>
+            </a:pPr>
             <a:endParaRPr lang="es-MX" sz="1800" dirty="0">
               <a:solidFill>
                 <a:schemeClr val="lt1"/>

--- a/presentacion/DataAnalysis Violencia en Mexico.pptx
+++ b/presentacion/DataAnalysis Violencia en Mexico.pptx
@@ -20343,8 +20343,8 @@
         </p:nvSpPr>
         <p:spPr>
           <a:xfrm>
-            <a:off x="446325" y="1899575"/>
-            <a:ext cx="8333608" cy="3231624"/>
+            <a:off x="245599" y="874869"/>
+            <a:ext cx="4326398" cy="3877954"/>
           </a:xfrm>
           <a:prstGeom prst="rect">
             <a:avLst/>
@@ -20370,7 +20370,7 @@
               <a:buNone/>
             </a:pPr>
             <a:r>
-              <a:rPr lang="es-MX" sz="1800" dirty="0">
+              <a:rPr lang="es-MX" dirty="0">
                 <a:solidFill>
                   <a:schemeClr val="lt1"/>
                 </a:solidFill>
@@ -20392,7 +20392,7 @@
               </a:spcAft>
               <a:buNone/>
             </a:pPr>
-            <a:endParaRPr lang="es-MX" sz="1800" dirty="0">
+            <a:endParaRPr lang="es-MX" dirty="0">
               <a:solidFill>
                 <a:schemeClr val="lt1"/>
               </a:solidFill>
@@ -20412,7 +20412,7 @@
               <a:buNone/>
             </a:pPr>
             <a:r>
-              <a:rPr lang="es-MX" sz="1800" dirty="0">
+              <a:rPr lang="es-MX" dirty="0">
                 <a:solidFill>
                   <a:schemeClr val="lt1"/>
                 </a:solidFill>
@@ -20434,7 +20434,7 @@
               </a:spcAft>
               <a:buNone/>
             </a:pPr>
-            <a:endParaRPr lang="es-MX" sz="1800" dirty="0">
+            <a:endParaRPr lang="es-MX" dirty="0">
               <a:solidFill>
                 <a:schemeClr val="lt1"/>
               </a:solidFill>
@@ -20452,7 +20452,71 @@
               <a:buNone/>
             </a:pPr>
             <a:r>
-              <a:rPr lang="es-MX" sz="1800" b="1" dirty="0">
+              <a:rPr lang="es-MX" dirty="0">
+                <a:solidFill>
+                  <a:schemeClr val="lt1"/>
+                </a:solidFill>
+                <a:latin typeface="Arial"/>
+                <a:ea typeface="Open Sans Light"/>
+                <a:cs typeface="Arial"/>
+                <a:sym typeface="Arial"/>
+              </a:rPr>
+              <a:t>Cabe mencionar que los datos fueron reestructurados para su mejor </a:t>
+            </a:r>
+            <a:r>
+              <a:rPr lang="es-MX" dirty="0" err="1">
+                <a:solidFill>
+                  <a:schemeClr val="lt1"/>
+                </a:solidFill>
+                <a:latin typeface="Arial"/>
+                <a:ea typeface="Open Sans Light"/>
+                <a:cs typeface="Arial"/>
+                <a:sym typeface="Arial"/>
+              </a:rPr>
+              <a:t>analiss</a:t>
+            </a:r>
+            <a:r>
+              <a:rPr lang="es-MX" dirty="0">
+                <a:solidFill>
+                  <a:schemeClr val="lt1"/>
+                </a:solidFill>
+                <a:latin typeface="Arial"/>
+                <a:ea typeface="Open Sans Light"/>
+                <a:cs typeface="Arial"/>
+                <a:sym typeface="Arial"/>
+              </a:rPr>
+              <a:t> en R</a:t>
+            </a:r>
+          </a:p>
+          <a:p>
+            <a:pPr marL="0" lvl="0" indent="0" algn="just" rtl="0">
+              <a:spcBef>
+                <a:spcPts val="0"/>
+              </a:spcBef>
+              <a:spcAft>
+                <a:spcPts val="0"/>
+              </a:spcAft>
+              <a:buNone/>
+            </a:pPr>
+            <a:endParaRPr lang="es-MX" dirty="0">
+              <a:solidFill>
+                <a:schemeClr val="lt1"/>
+              </a:solidFill>
+              <a:ea typeface="Open Sans Light"/>
+            </a:endParaRPr>
+          </a:p>
+          <a:p>
+            <a:pPr marL="0" lvl="0" indent="0" algn="just" rtl="0">
+              <a:spcBef>
+                <a:spcPts val="0"/>
+              </a:spcBef>
+              <a:spcAft>
+                <a:spcPts val="0"/>
+              </a:spcAft>
+              <a:buNone/>
+            </a:pPr>
+            <a:r>
+              <a:rPr lang="es-MX" b="1" dirty="0">
                 <a:solidFill>
                   <a:schemeClr val="lt1"/>
                 </a:solidFill>
@@ -20474,7 +20538,7 @@
               </a:spcAft>
               <a:buNone/>
             </a:pPr>
-            <a:endParaRPr lang="es-MX" sz="1800" dirty="0">
+            <a:endParaRPr lang="es-MX" dirty="0">
               <a:solidFill>
                 <a:schemeClr val="lt1"/>
               </a:solidFill>
@@ -20495,7 +20559,7 @@
               <a:buNone/>
             </a:pPr>
             <a:r>
-              <a:rPr lang="es-MX" sz="1800" dirty="0">
+              <a:rPr lang="es-MX" dirty="0">
                 <a:solidFill>
                   <a:schemeClr val="lt1"/>
                 </a:solidFill>
@@ -20507,7 +20571,7 @@
               </a:rPr>
               <a:t>https://www.gob.mx/sesnsp/acciones-y-programas/datos-abiertos-de-incidencia-delictiva</a:t>
             </a:r>
-            <a:endParaRPr lang="es-MX" sz="1800" dirty="0">
+            <a:endParaRPr lang="es-MX" dirty="0">
               <a:solidFill>
                 <a:schemeClr val="lt1"/>
               </a:solidFill>
@@ -20527,7 +20591,7 @@
               </a:spcAft>
               <a:buNone/>
             </a:pPr>
-            <a:endParaRPr lang="es-MX" sz="1800" dirty="0">
+            <a:endParaRPr lang="es-MX" sz="1600" dirty="0">
               <a:solidFill>
                 <a:schemeClr val="lt1"/>
               </a:solidFill>
@@ -20539,6 +20603,126 @@
           </a:p>
         </p:txBody>
       </p:sp>
+      <p:pic>
+        <p:nvPicPr>
+          <p:cNvPr id="4" name="Imagen 3">
+            <a:extLst>
+              <a:ext uri="{FF2B5EF4-FFF2-40B4-BE49-F238E27FC236}">
+                <a16:creationId xmlns:a16="http://schemas.microsoft.com/office/drawing/2014/main" id="{8D626F0C-C905-48DE-9AE5-90DB12287240}"/>
+              </a:ext>
+            </a:extLst>
+          </p:cNvPr>
+          <p:cNvPicPr>
+            <a:picLocks noChangeAspect="1"/>
+          </p:cNvPicPr>
+          <p:nvPr/>
+        </p:nvPicPr>
+        <p:blipFill>
+          <a:blip r:embed="rId4"/>
+          <a:stretch>
+            <a:fillRect/>
+          </a:stretch>
+        </p:blipFill>
+        <p:spPr>
+          <a:xfrm>
+            <a:off x="245599" y="4510198"/>
+            <a:ext cx="8385716" cy="485249"/>
+          </a:xfrm>
+          <a:prstGeom prst="rect">
+            <a:avLst/>
+          </a:prstGeom>
+          <a:solidFill>
+            <a:srgbClr val="FFFFFF">
+              <a:shade val="85000"/>
+            </a:srgbClr>
+          </a:solidFill>
+          <a:ln w="88900" cap="sq">
+            <a:solidFill>
+              <a:srgbClr val="FFFFFF"/>
+            </a:solidFill>
+            <a:miter lim="800000"/>
+          </a:ln>
+          <a:effectLst>
+            <a:outerShdw blurRad="55000" dist="18000" dir="5400000" algn="tl" rotWithShape="0">
+              <a:srgbClr val="000000">
+                <a:alpha val="40000"/>
+              </a:srgbClr>
+            </a:outerShdw>
+          </a:effectLst>
+          <a:scene3d>
+            <a:camera prst="orthographicFront"/>
+            <a:lightRig rig="twoPt" dir="t">
+              <a:rot lat="0" lon="0" rev="7200000"/>
+            </a:lightRig>
+          </a:scene3d>
+          <a:sp3d>
+            <a:bevelT w="25400" h="19050"/>
+            <a:contourClr>
+              <a:srgbClr val="FFFFFF"/>
+            </a:contourClr>
+          </a:sp3d>
+        </p:spPr>
+      </p:pic>
+      <p:pic>
+        <p:nvPicPr>
+          <p:cNvPr id="6" name="Imagen 5">
+            <a:extLst>
+              <a:ext uri="{FF2B5EF4-FFF2-40B4-BE49-F238E27FC236}">
+                <a16:creationId xmlns:a16="http://schemas.microsoft.com/office/drawing/2014/main" id="{E383C3E5-8536-4F6D-A917-621233AF5E80}"/>
+              </a:ext>
+            </a:extLst>
+          </p:cNvPr>
+          <p:cNvPicPr>
+            <a:picLocks noChangeAspect="1"/>
+          </p:cNvPicPr>
+          <p:nvPr/>
+        </p:nvPicPr>
+        <p:blipFill>
+          <a:blip r:embed="rId5"/>
+          <a:stretch>
+            <a:fillRect/>
+          </a:stretch>
+        </p:blipFill>
+        <p:spPr>
+          <a:xfrm>
+            <a:off x="4775436" y="1540756"/>
+            <a:ext cx="4156277" cy="2061987"/>
+          </a:xfrm>
+          <a:prstGeom prst="rect">
+            <a:avLst/>
+          </a:prstGeom>
+          <a:solidFill>
+            <a:srgbClr val="FFFFFF">
+              <a:shade val="85000"/>
+            </a:srgbClr>
+          </a:solidFill>
+          <a:ln w="88900" cap="sq">
+            <a:solidFill>
+              <a:srgbClr val="FFFFFF"/>
+            </a:solidFill>
+            <a:miter lim="800000"/>
+          </a:ln>
+          <a:effectLst>
+            <a:outerShdw blurRad="55000" dist="18000" dir="5400000" algn="tl" rotWithShape="0">
+              <a:srgbClr val="000000">
+                <a:alpha val="40000"/>
+              </a:srgbClr>
+            </a:outerShdw>
+          </a:effectLst>
+          <a:scene3d>
+            <a:camera prst="orthographicFront"/>
+            <a:lightRig rig="twoPt" dir="t">
+              <a:rot lat="0" lon="0" rev="7200000"/>
+            </a:lightRig>
+          </a:scene3d>
+          <a:sp3d>
+            <a:bevelT w="25400" h="19050"/>
+            <a:contourClr>
+              <a:srgbClr val="FFFFFF"/>
+            </a:contourClr>
+          </a:sp3d>
+        </p:spPr>
+      </p:pic>
     </p:spTree>
     <p:extLst>
       <p:ext uri="{BB962C8B-B14F-4D97-AF65-F5344CB8AC3E}">
